--- a/프론트엔드기초(과제)/과제1_프로필페이지/과제1-3.pptx
+++ b/프론트엔드기초(과제)/과제1_프로필페이지/과제1-3.pptx
@@ -292,7 +292,7 @@
           <a:p>
             <a:fld id="{FB30EDBD-1C2D-4C1E-B459-B60219FAB484}" type="datetimeFigureOut">
               <a:rPr lang="ko-KR" altLang="en-US" smtClean="0"/>
-              <a:t>2020-09-18</a:t>
+              <a:t>2020-09-28</a:t>
             </a:fld>
             <a:endParaRPr lang="ko-KR" altLang="en-US"/>
           </a:p>
@@ -457,7 +457,7 @@
           <a:p>
             <a:fld id="{FB30EDBD-1C2D-4C1E-B459-B60219FAB484}" type="datetimeFigureOut">
               <a:rPr lang="ko-KR" altLang="en-US" smtClean="0"/>
-              <a:t>2020-09-18</a:t>
+              <a:t>2020-09-28</a:t>
             </a:fld>
             <a:endParaRPr lang="ko-KR" altLang="en-US"/>
           </a:p>
@@ -632,7 +632,7 @@
           <a:p>
             <a:fld id="{FB30EDBD-1C2D-4C1E-B459-B60219FAB484}" type="datetimeFigureOut">
               <a:rPr lang="ko-KR" altLang="en-US" smtClean="0"/>
-              <a:t>2020-09-18</a:t>
+              <a:t>2020-09-28</a:t>
             </a:fld>
             <a:endParaRPr lang="ko-KR" altLang="en-US"/>
           </a:p>
@@ -797,7 +797,7 @@
           <a:p>
             <a:fld id="{FB30EDBD-1C2D-4C1E-B459-B60219FAB484}" type="datetimeFigureOut">
               <a:rPr lang="ko-KR" altLang="en-US" smtClean="0"/>
-              <a:t>2020-09-18</a:t>
+              <a:t>2020-09-28</a:t>
             </a:fld>
             <a:endParaRPr lang="ko-KR" altLang="en-US"/>
           </a:p>
@@ -1038,7 +1038,7 @@
           <a:p>
             <a:fld id="{FB30EDBD-1C2D-4C1E-B459-B60219FAB484}" type="datetimeFigureOut">
               <a:rPr lang="ko-KR" altLang="en-US" smtClean="0"/>
-              <a:t>2020-09-18</a:t>
+              <a:t>2020-09-28</a:t>
             </a:fld>
             <a:endParaRPr lang="ko-KR" altLang="en-US"/>
           </a:p>
@@ -1321,7 +1321,7 @@
           <a:p>
             <a:fld id="{FB30EDBD-1C2D-4C1E-B459-B60219FAB484}" type="datetimeFigureOut">
               <a:rPr lang="ko-KR" altLang="en-US" smtClean="0"/>
-              <a:t>2020-09-18</a:t>
+              <a:t>2020-09-28</a:t>
             </a:fld>
             <a:endParaRPr lang="ko-KR" altLang="en-US"/>
           </a:p>
@@ -1738,7 +1738,7 @@
           <a:p>
             <a:fld id="{FB30EDBD-1C2D-4C1E-B459-B60219FAB484}" type="datetimeFigureOut">
               <a:rPr lang="ko-KR" altLang="en-US" smtClean="0"/>
-              <a:t>2020-09-18</a:t>
+              <a:t>2020-09-28</a:t>
             </a:fld>
             <a:endParaRPr lang="ko-KR" altLang="en-US"/>
           </a:p>
@@ -1851,7 +1851,7 @@
           <a:p>
             <a:fld id="{FB30EDBD-1C2D-4C1E-B459-B60219FAB484}" type="datetimeFigureOut">
               <a:rPr lang="ko-KR" altLang="en-US" smtClean="0"/>
-              <a:t>2020-09-18</a:t>
+              <a:t>2020-09-28</a:t>
             </a:fld>
             <a:endParaRPr lang="ko-KR" altLang="en-US"/>
           </a:p>
@@ -1941,7 +1941,7 @@
           <a:p>
             <a:fld id="{FB30EDBD-1C2D-4C1E-B459-B60219FAB484}" type="datetimeFigureOut">
               <a:rPr lang="ko-KR" altLang="en-US" smtClean="0"/>
-              <a:t>2020-09-18</a:t>
+              <a:t>2020-09-28</a:t>
             </a:fld>
             <a:endParaRPr lang="ko-KR" altLang="en-US"/>
           </a:p>
@@ -2213,7 +2213,7 @@
           <a:p>
             <a:fld id="{FB30EDBD-1C2D-4C1E-B459-B60219FAB484}" type="datetimeFigureOut">
               <a:rPr lang="ko-KR" altLang="en-US" smtClean="0"/>
-              <a:t>2020-09-18</a:t>
+              <a:t>2020-09-28</a:t>
             </a:fld>
             <a:endParaRPr lang="ko-KR" altLang="en-US"/>
           </a:p>
@@ -2461,7 +2461,7 @@
           <a:p>
             <a:fld id="{FB30EDBD-1C2D-4C1E-B459-B60219FAB484}" type="datetimeFigureOut">
               <a:rPr lang="ko-KR" altLang="en-US" smtClean="0"/>
-              <a:t>2020-09-18</a:t>
+              <a:t>2020-09-28</a:t>
             </a:fld>
             <a:endParaRPr lang="ko-KR" altLang="en-US"/>
           </a:p>
@@ -2669,7 +2669,7 @@
           <a:p>
             <a:fld id="{FB30EDBD-1C2D-4C1E-B459-B60219FAB484}" type="datetimeFigureOut">
               <a:rPr lang="ko-KR" altLang="en-US" smtClean="0"/>
-              <a:t>2020-09-18</a:t>
+              <a:t>2020-09-28</a:t>
             </a:fld>
             <a:endParaRPr lang="ko-KR" altLang="en-US"/>
           </a:p>
@@ -3298,17 +3298,7 @@
                 <a:latin typeface="배달의민족 주아" pitchFamily="18" charset="-127"/>
                 <a:ea typeface="배달의민족 주아" pitchFamily="18" charset="-127"/>
               </a:rPr>
-              <a:t>인물소개 </a:t>
-            </a:r>
-            <a:r>
-              <a:rPr lang="ko-KR" altLang="en-US" sz="3200" dirty="0" smtClean="0">
-                <a:solidFill>
-                  <a:schemeClr val="accent5"/>
-                </a:solidFill>
-                <a:latin typeface="배달의민족 주아" pitchFamily="18" charset="-127"/>
-                <a:ea typeface="배달의민족 주아" pitchFamily="18" charset="-127"/>
-              </a:rPr>
-              <a:t>페이지 만들기</a:t>
+              <a:t>인물소개 페이지 만들기</a:t>
             </a:r>
             <a:endParaRPr lang="ko-KR" altLang="en-US" sz="3200" dirty="0">
               <a:solidFill>
@@ -4509,17 +4499,7 @@
                 <a:latin typeface="배달의민족 주아" pitchFamily="18" charset="-127"/>
                 <a:ea typeface="배달의민족 주아" pitchFamily="18" charset="-127"/>
               </a:rPr>
-              <a:t>여행 </a:t>
-            </a:r>
-            <a:r>
-              <a:rPr lang="ko-KR" altLang="en-US" sz="3200" dirty="0" smtClean="0">
-                <a:solidFill>
-                  <a:schemeClr val="accent5"/>
-                </a:solidFill>
-                <a:latin typeface="배달의민족 주아" pitchFamily="18" charset="-127"/>
-                <a:ea typeface="배달의민족 주아" pitchFamily="18" charset="-127"/>
-              </a:rPr>
-              <a:t>기록 페이지 만들기</a:t>
+              <a:t>여행 기록 페이지 만들기</a:t>
             </a:r>
             <a:endParaRPr lang="ko-KR" altLang="en-US" sz="3200" dirty="0">
               <a:solidFill>
